--- a/Chapter3/Figures/Fig9.pptx
+++ b/Chapter3/Figures/Fig9.pptx
@@ -7,7 +7,7 @@
   <p:sldIdLst>
     <p:sldId id="256" r:id="rId2"/>
   </p:sldIdLst>
-  <p:sldSz cx="6121400" cy="5400675"/>
+  <p:sldSz cx="10801350" cy="5400675"/>
   <p:notesSz cx="6858000" cy="9144000"/>
   <p:defaultTextStyle>
     <a:defPPr>
@@ -136,8 +136,8 @@
         </p:nvSpPr>
         <p:spPr>
           <a:xfrm>
-            <a:off x="459105" y="1677710"/>
-            <a:ext cx="5203190" cy="1157645"/>
+            <a:off x="810101" y="1677711"/>
+            <a:ext cx="9181148" cy="1157645"/>
           </a:xfrm>
         </p:spPr>
         <p:txBody>
@@ -164,8 +164,8 @@
         </p:nvSpPr>
         <p:spPr>
           <a:xfrm>
-            <a:off x="918210" y="3060382"/>
-            <a:ext cx="4284980" cy="1380173"/>
+            <a:off x="1620203" y="3060383"/>
+            <a:ext cx="7560945" cy="1380173"/>
           </a:xfrm>
         </p:spPr>
         <p:txBody>
@@ -288,7 +288,7 @@
           <a:p>
             <a:fld id="{8EB48514-7E8F-4B75-A2DA-68EE2B498DE6}" type="datetimeFigureOut">
               <a:rPr lang="en-GB" smtClean="0"/>
-              <a:t>17/06/2014</a:t>
+              <a:t>14/07/2014</a:t>
             </a:fld>
             <a:endParaRPr lang="en-GB"/>
           </a:p>
@@ -458,7 +458,7 @@
           <a:p>
             <a:fld id="{8EB48514-7E8F-4B75-A2DA-68EE2B498DE6}" type="datetimeFigureOut">
               <a:rPr lang="en-GB" smtClean="0"/>
-              <a:t>17/06/2014</a:t>
+              <a:t>14/07/2014</a:t>
             </a:fld>
             <a:endParaRPr lang="en-GB"/>
           </a:p>
@@ -548,8 +548,8 @@
         </p:nvSpPr>
         <p:spPr>
           <a:xfrm>
-            <a:off x="2971430" y="170022"/>
-            <a:ext cx="921399" cy="3629204"/>
+            <a:off x="5243157" y="170022"/>
+            <a:ext cx="1625830" cy="3629204"/>
           </a:xfrm>
         </p:spPr>
         <p:txBody>
@@ -576,8 +576,8 @@
         </p:nvSpPr>
         <p:spPr>
           <a:xfrm>
-            <a:off x="205109" y="170022"/>
-            <a:ext cx="2664297" cy="3629204"/>
+            <a:off x="361920" y="170022"/>
+            <a:ext cx="4701213" cy="3629204"/>
           </a:xfrm>
         </p:spPr>
         <p:txBody>
@@ -638,7 +638,7 @@
           <a:p>
             <a:fld id="{8EB48514-7E8F-4B75-A2DA-68EE2B498DE6}" type="datetimeFigureOut">
               <a:rPr lang="en-GB" smtClean="0"/>
-              <a:t>17/06/2014</a:t>
+              <a:t>14/07/2014</a:t>
             </a:fld>
             <a:endParaRPr lang="en-GB"/>
           </a:p>
@@ -808,7 +808,7 @@
           <a:p>
             <a:fld id="{8EB48514-7E8F-4B75-A2DA-68EE2B498DE6}" type="datetimeFigureOut">
               <a:rPr lang="en-GB" smtClean="0"/>
-              <a:t>17/06/2014</a:t>
+              <a:t>14/07/2014</a:t>
             </a:fld>
             <a:endParaRPr lang="en-GB"/>
           </a:p>
@@ -898,8 +898,8 @@
         </p:nvSpPr>
         <p:spPr>
           <a:xfrm>
-            <a:off x="483548" y="3470434"/>
-            <a:ext cx="5203190" cy="1072634"/>
+            <a:off x="853231" y="3470434"/>
+            <a:ext cx="9181148" cy="1072634"/>
           </a:xfrm>
         </p:spPr>
         <p:txBody>
@@ -930,8 +930,8 @@
         </p:nvSpPr>
         <p:spPr>
           <a:xfrm>
-            <a:off x="483548" y="2289037"/>
-            <a:ext cx="5203190" cy="1181397"/>
+            <a:off x="853231" y="2289038"/>
+            <a:ext cx="9181148" cy="1181397"/>
           </a:xfrm>
         </p:spPr>
         <p:txBody>
@@ -1054,7 +1054,7 @@
           <a:p>
             <a:fld id="{8EB48514-7E8F-4B75-A2DA-68EE2B498DE6}" type="datetimeFigureOut">
               <a:rPr lang="en-GB" smtClean="0"/>
-              <a:t>17/06/2014</a:t>
+              <a:t>14/07/2014</a:t>
             </a:fld>
             <a:endParaRPr lang="en-GB"/>
           </a:p>
@@ -1167,8 +1167,8 @@
         </p:nvSpPr>
         <p:spPr>
           <a:xfrm>
-            <a:off x="205110" y="992624"/>
-            <a:ext cx="1792847" cy="2806601"/>
+            <a:off x="361922" y="992625"/>
+            <a:ext cx="3163519" cy="2806601"/>
           </a:xfrm>
         </p:spPr>
         <p:txBody>
@@ -1252,8 +1252,8 @@
         </p:nvSpPr>
         <p:spPr>
           <a:xfrm>
-            <a:off x="2099981" y="992624"/>
-            <a:ext cx="1792848" cy="2806601"/>
+            <a:off x="3705465" y="992625"/>
+            <a:ext cx="3163521" cy="2806601"/>
           </a:xfrm>
         </p:spPr>
         <p:txBody>
@@ -1342,7 +1342,7 @@
           <a:p>
             <a:fld id="{8EB48514-7E8F-4B75-A2DA-68EE2B498DE6}" type="datetimeFigureOut">
               <a:rPr lang="en-GB" smtClean="0"/>
-              <a:t>17/06/2014</a:t>
+              <a:t>14/07/2014</a:t>
             </a:fld>
             <a:endParaRPr lang="en-GB"/>
           </a:p>
@@ -1432,8 +1432,8 @@
         </p:nvSpPr>
         <p:spPr>
           <a:xfrm>
-            <a:off x="306070" y="216277"/>
-            <a:ext cx="5509260" cy="900113"/>
+            <a:off x="540068" y="216278"/>
+            <a:ext cx="9721215" cy="900113"/>
           </a:xfrm>
         </p:spPr>
         <p:txBody>
@@ -1464,8 +1464,8 @@
         </p:nvSpPr>
         <p:spPr>
           <a:xfrm>
-            <a:off x="306070" y="1208901"/>
-            <a:ext cx="2704681" cy="503813"/>
+            <a:off x="540069" y="1208902"/>
+            <a:ext cx="4772471" cy="503813"/>
           </a:xfrm>
         </p:spPr>
         <p:txBody>
@@ -1529,8 +1529,8 @@
         </p:nvSpPr>
         <p:spPr>
           <a:xfrm>
-            <a:off x="306070" y="1712714"/>
-            <a:ext cx="2704681" cy="3111639"/>
+            <a:off x="540069" y="1712714"/>
+            <a:ext cx="4772471" cy="3111639"/>
           </a:xfrm>
         </p:spPr>
         <p:txBody>
@@ -1614,8 +1614,8 @@
         </p:nvSpPr>
         <p:spPr>
           <a:xfrm>
-            <a:off x="3109586" y="1208901"/>
-            <a:ext cx="2705744" cy="503813"/>
+            <a:off x="5486935" y="1208902"/>
+            <a:ext cx="4774347" cy="503813"/>
           </a:xfrm>
         </p:spPr>
         <p:txBody>
@@ -1679,8 +1679,8 @@
         </p:nvSpPr>
         <p:spPr>
           <a:xfrm>
-            <a:off x="3109586" y="1712714"/>
-            <a:ext cx="2705744" cy="3111639"/>
+            <a:off x="5486935" y="1712714"/>
+            <a:ext cx="4774347" cy="3111639"/>
           </a:xfrm>
         </p:spPr>
         <p:txBody>
@@ -1769,7 +1769,7 @@
           <a:p>
             <a:fld id="{8EB48514-7E8F-4B75-A2DA-68EE2B498DE6}" type="datetimeFigureOut">
               <a:rPr lang="en-GB" smtClean="0"/>
-              <a:t>17/06/2014</a:t>
+              <a:t>14/07/2014</a:t>
             </a:fld>
             <a:endParaRPr lang="en-GB"/>
           </a:p>
@@ -1887,7 +1887,7 @@
           <a:p>
             <a:fld id="{8EB48514-7E8F-4B75-A2DA-68EE2B498DE6}" type="datetimeFigureOut">
               <a:rPr lang="en-GB" smtClean="0"/>
-              <a:t>17/06/2014</a:t>
+              <a:t>14/07/2014</a:t>
             </a:fld>
             <a:endParaRPr lang="en-GB"/>
           </a:p>
@@ -1982,7 +1982,7 @@
           <a:p>
             <a:fld id="{8EB48514-7E8F-4B75-A2DA-68EE2B498DE6}" type="datetimeFigureOut">
               <a:rPr lang="en-GB" smtClean="0"/>
-              <a:t>17/06/2014</a:t>
+              <a:t>14/07/2014</a:t>
             </a:fld>
             <a:endParaRPr lang="en-GB"/>
           </a:p>
@@ -2072,8 +2072,8 @@
         </p:nvSpPr>
         <p:spPr>
           <a:xfrm>
-            <a:off x="306071" y="215027"/>
-            <a:ext cx="2013898" cy="915114"/>
+            <a:off x="540069" y="215027"/>
+            <a:ext cx="3553569" cy="915114"/>
           </a:xfrm>
         </p:spPr>
         <p:txBody>
@@ -2104,8 +2104,8 @@
         </p:nvSpPr>
         <p:spPr>
           <a:xfrm>
-            <a:off x="2393297" y="215028"/>
-            <a:ext cx="3422033" cy="4609326"/>
+            <a:off x="4223028" y="215028"/>
+            <a:ext cx="6038255" cy="4609326"/>
           </a:xfrm>
         </p:spPr>
         <p:txBody>
@@ -2189,8 +2189,8 @@
         </p:nvSpPr>
         <p:spPr>
           <a:xfrm>
-            <a:off x="306071" y="1130142"/>
-            <a:ext cx="2013898" cy="3694212"/>
+            <a:off x="540069" y="1130142"/>
+            <a:ext cx="3553569" cy="3694212"/>
           </a:xfrm>
         </p:spPr>
         <p:txBody>
@@ -2259,7 +2259,7 @@
           <a:p>
             <a:fld id="{8EB48514-7E8F-4B75-A2DA-68EE2B498DE6}" type="datetimeFigureOut">
               <a:rPr lang="en-GB" smtClean="0"/>
-              <a:t>17/06/2014</a:t>
+              <a:t>14/07/2014</a:t>
             </a:fld>
             <a:endParaRPr lang="en-GB"/>
           </a:p>
@@ -2349,8 +2349,8 @@
         </p:nvSpPr>
         <p:spPr>
           <a:xfrm>
-            <a:off x="1199837" y="3780473"/>
-            <a:ext cx="3672840" cy="446306"/>
+            <a:off x="2117140" y="3780473"/>
+            <a:ext cx="6480810" cy="446306"/>
           </a:xfrm>
         </p:spPr>
         <p:txBody>
@@ -2381,8 +2381,8 @@
         </p:nvSpPr>
         <p:spPr>
           <a:xfrm>
-            <a:off x="1199837" y="482560"/>
-            <a:ext cx="3672840" cy="3240405"/>
+            <a:off x="2117140" y="482561"/>
+            <a:ext cx="6480810" cy="3240405"/>
           </a:xfrm>
         </p:spPr>
         <p:txBody>
@@ -2442,8 +2442,8 @@
         </p:nvSpPr>
         <p:spPr>
           <a:xfrm>
-            <a:off x="1199837" y="4226779"/>
-            <a:ext cx="3672840" cy="633829"/>
+            <a:off x="2117140" y="4226780"/>
+            <a:ext cx="6480810" cy="633829"/>
           </a:xfrm>
         </p:spPr>
         <p:txBody>
@@ -2512,7 +2512,7 @@
           <a:p>
             <a:fld id="{8EB48514-7E8F-4B75-A2DA-68EE2B498DE6}" type="datetimeFigureOut">
               <a:rPr lang="en-GB" smtClean="0"/>
-              <a:t>17/06/2014</a:t>
+              <a:t>14/07/2014</a:t>
             </a:fld>
             <a:endParaRPr lang="en-GB"/>
           </a:p>
@@ -2607,8 +2607,8 @@
         </p:nvSpPr>
         <p:spPr>
           <a:xfrm>
-            <a:off x="306070" y="216277"/>
-            <a:ext cx="5509260" cy="900113"/>
+            <a:off x="540068" y="216278"/>
+            <a:ext cx="9721215" cy="900113"/>
           </a:xfrm>
           <a:prstGeom prst="rect">
             <a:avLst/>
@@ -2640,8 +2640,8 @@
         </p:nvSpPr>
         <p:spPr>
           <a:xfrm>
-            <a:off x="306070" y="1260158"/>
-            <a:ext cx="5509260" cy="3564196"/>
+            <a:off x="540068" y="1260158"/>
+            <a:ext cx="9721215" cy="3564196"/>
           </a:xfrm>
           <a:prstGeom prst="rect">
             <a:avLst/>
@@ -2702,8 +2702,8 @@
         </p:nvSpPr>
         <p:spPr>
           <a:xfrm>
-            <a:off x="306070" y="5005626"/>
-            <a:ext cx="1428327" cy="287536"/>
+            <a:off x="540068" y="5005626"/>
+            <a:ext cx="2520316" cy="287536"/>
           </a:xfrm>
           <a:prstGeom prst="rect">
             <a:avLst/>
@@ -2725,7 +2725,7 @@
           <a:p>
             <a:fld id="{8EB48514-7E8F-4B75-A2DA-68EE2B498DE6}" type="datetimeFigureOut">
               <a:rPr lang="en-GB" smtClean="0"/>
-              <a:t>17/06/2014</a:t>
+              <a:t>14/07/2014</a:t>
             </a:fld>
             <a:endParaRPr lang="en-GB"/>
           </a:p>
@@ -2743,8 +2743,8 @@
         </p:nvSpPr>
         <p:spPr>
           <a:xfrm>
-            <a:off x="2091479" y="5005626"/>
-            <a:ext cx="1938443" cy="287536"/>
+            <a:off x="3690463" y="5005626"/>
+            <a:ext cx="3420427" cy="287536"/>
           </a:xfrm>
           <a:prstGeom prst="rect">
             <a:avLst/>
@@ -2780,8 +2780,8 @@
         </p:nvSpPr>
         <p:spPr>
           <a:xfrm>
-            <a:off x="4387003" y="5005626"/>
-            <a:ext cx="1428327" cy="287536"/>
+            <a:off x="7740968" y="5005626"/>
+            <a:ext cx="2520316" cy="287536"/>
           </a:xfrm>
           <a:prstGeom prst="rect">
             <a:avLst/>
@@ -3102,7 +3102,7 @@
       </p:grpSpPr>
       <p:grpSp>
         <p:nvGrpSpPr>
-          <p:cNvPr id="8" name="Group 7"/>
+          <p:cNvPr id="11" name="Group 10"/>
           <p:cNvGrpSpPr/>
           <p:nvPr/>
         </p:nvGrpSpPr>
@@ -3116,7 +3116,7 @@
         </p:grpSpPr>
         <p:pic>
           <p:nvPicPr>
-            <p:cNvPr id="9" name="Picture 3" descr="C:\Users\Wendy\Documents\wwn20\Thesis\Chapter3\Figures\Size.png"/>
+            <p:cNvPr id="12" name="Picture 3" descr="C:\Users\Wendy\Documents\wwn20\Thesis\Chapter3\Figures\Size.png"/>
             <p:cNvPicPr>
               <a:picLocks noChangeAspect="1" noChangeArrowheads="1"/>
             </p:cNvPicPr>
@@ -3155,7 +3155,7 @@
         </p:pic>
         <p:pic>
           <p:nvPicPr>
-            <p:cNvPr id="10" name="Picture 4" descr="C:\Users\Wendy\Documents\wwn20\Thesis\Chapter3\Figures\Size.png"/>
+            <p:cNvPr id="13" name="Picture 4" descr="C:\Users\Wendy\Documents\wwn20\Thesis\Chapter3\Figures\Size.png"/>
             <p:cNvPicPr>
               <a:picLocks noChangeAspect="1" noChangeArrowheads="1"/>
             </p:cNvPicPr>
@@ -3195,7 +3195,7 @@
       </p:grpSp>
       <p:sp>
         <p:nvSpPr>
-          <p:cNvPr id="5" name="Freeform 4"/>
+          <p:cNvPr id="15" name="Freeform 14"/>
           <p:cNvSpPr/>
           <p:nvPr/>
         </p:nvSpPr>
@@ -3378,7 +3378,7 @@
       </p:sp>
       <p:sp>
         <p:nvSpPr>
-          <p:cNvPr id="6" name="Freeform 5"/>
+          <p:cNvPr id="16" name="Freeform 15"/>
           <p:cNvSpPr/>
           <p:nvPr/>
         </p:nvSpPr>
@@ -3526,7 +3526,7 @@
       </p:sp>
       <p:sp>
         <p:nvSpPr>
-          <p:cNvPr id="7" name="TextBox 6"/>
+          <p:cNvPr id="17" name="TextBox 16"/>
           <p:cNvSpPr txBox="1"/>
           <p:nvPr/>
         </p:nvSpPr>
@@ -3556,7 +3556,7 @@
       </p:sp>
       <p:sp>
         <p:nvSpPr>
-          <p:cNvPr id="14" name="TextBox 13"/>
+          <p:cNvPr id="18" name="TextBox 17"/>
           <p:cNvSpPr txBox="1"/>
           <p:nvPr/>
         </p:nvSpPr>
@@ -3595,6 +3595,90 @@
                 </a:schemeClr>
               </a:solidFill>
             </a:endParaRPr>
+          </a:p>
+        </p:txBody>
+      </p:sp>
+      <p:sp>
+        <p:nvSpPr>
+          <p:cNvPr id="2" name="Rectangle 1"/>
+          <p:cNvSpPr/>
+          <p:nvPr/>
+        </p:nvSpPr>
+        <p:spPr>
+          <a:xfrm>
+            <a:off x="6624811" y="194924"/>
+            <a:ext cx="4104456" cy="4881677"/>
+          </a:xfrm>
+          <a:prstGeom prst="rect">
+            <a:avLst/>
+          </a:prstGeom>
+          <a:noFill/>
+          <a:ln>
+            <a:solidFill>
+              <a:schemeClr val="tx1"/>
+            </a:solidFill>
+          </a:ln>
+        </p:spPr>
+        <p:style>
+          <a:lnRef idx="2">
+            <a:schemeClr val="accent1">
+              <a:shade val="50000"/>
+            </a:schemeClr>
+          </a:lnRef>
+          <a:fillRef idx="1">
+            <a:schemeClr val="accent1"/>
+          </a:fillRef>
+          <a:effectRef idx="0">
+            <a:schemeClr val="accent1"/>
+          </a:effectRef>
+          <a:fontRef idx="minor">
+            <a:schemeClr val="lt1"/>
+          </a:fontRef>
+        </p:style>
+        <p:txBody>
+          <a:bodyPr rtlCol="0" anchor="ctr"/>
+          <a:lstStyle/>
+          <a:p>
+            <a:pPr algn="ctr"/>
+            <a:endParaRPr lang="en-GB"/>
+          </a:p>
+        </p:txBody>
+      </p:sp>
+      <p:sp>
+        <p:nvSpPr>
+          <p:cNvPr id="3" name="TextBox 2"/>
+          <p:cNvSpPr txBox="1"/>
+          <p:nvPr/>
+        </p:nvSpPr>
+        <p:spPr>
+          <a:xfrm>
+            <a:off x="7488907" y="652755"/>
+            <a:ext cx="2448272" cy="292388"/>
+          </a:xfrm>
+          <a:prstGeom prst="rect">
+            <a:avLst/>
+          </a:prstGeom>
+          <a:noFill/>
+        </p:spPr>
+        <p:txBody>
+          <a:bodyPr wrap="square" rtlCol="0">
+            <a:spAutoFit/>
+          </a:bodyPr>
+          <a:lstStyle/>
+          <a:p>
+            <a:r>
+              <a:rPr lang="en-GB" dirty="0" smtClean="0"/>
+              <a:t>Dipole + </a:t>
+            </a:r>
+            <a:r>
+              <a:rPr lang="en-GB" dirty="0" err="1" smtClean="0"/>
+              <a:t>quadrupole</a:t>
+            </a:r>
+            <a:r>
+              <a:rPr lang="en-GB" dirty="0" smtClean="0"/>
+              <a:t> fields</a:t>
+            </a:r>
+            <a:endParaRPr lang="en-GB" dirty="0"/>
           </a:p>
         </p:txBody>
       </p:sp>

--- a/Chapter3/Figures/Fig9.pptx
+++ b/Chapter3/Figures/Fig9.pptx
@@ -7,7 +7,7 @@
   <p:sldIdLst>
     <p:sldId id="256" r:id="rId2"/>
   </p:sldIdLst>
-  <p:sldSz cx="10801350" cy="5400675"/>
+  <p:sldSz cx="6121400" cy="5400675"/>
   <p:notesSz cx="6858000" cy="9144000"/>
   <p:defaultTextStyle>
     <a:defPPr>
@@ -136,8 +136,8 @@
         </p:nvSpPr>
         <p:spPr>
           <a:xfrm>
-            <a:off x="810101" y="1677711"/>
-            <a:ext cx="9181148" cy="1157645"/>
+            <a:off x="459107" y="1677715"/>
+            <a:ext cx="5203191" cy="1157645"/>
           </a:xfrm>
         </p:spPr>
         <p:txBody>
@@ -164,8 +164,8 @@
         </p:nvSpPr>
         <p:spPr>
           <a:xfrm>
-            <a:off x="1620203" y="3060383"/>
-            <a:ext cx="7560945" cy="1380173"/>
+            <a:off x="918212" y="3060385"/>
+            <a:ext cx="4284980" cy="1380173"/>
           </a:xfrm>
         </p:spPr>
         <p:txBody>
@@ -288,7 +288,7 @@
           <a:p>
             <a:fld id="{8EB48514-7E8F-4B75-A2DA-68EE2B498DE6}" type="datetimeFigureOut">
               <a:rPr lang="en-GB" smtClean="0"/>
-              <a:t>14/07/2014</a:t>
+              <a:t>27/09/2014</a:t>
             </a:fld>
             <a:endParaRPr lang="en-GB"/>
           </a:p>
@@ -458,7 +458,7 @@
           <a:p>
             <a:fld id="{8EB48514-7E8F-4B75-A2DA-68EE2B498DE6}" type="datetimeFigureOut">
               <a:rPr lang="en-GB" smtClean="0"/>
-              <a:t>14/07/2014</a:t>
+              <a:t>27/09/2014</a:t>
             </a:fld>
             <a:endParaRPr lang="en-GB"/>
           </a:p>
@@ -548,8 +548,8 @@
         </p:nvSpPr>
         <p:spPr>
           <a:xfrm>
-            <a:off x="5243157" y="170022"/>
-            <a:ext cx="1625830" cy="3629204"/>
+            <a:off x="2971431" y="170022"/>
+            <a:ext cx="921400" cy="3629204"/>
           </a:xfrm>
         </p:spPr>
         <p:txBody>
@@ -576,8 +576,8 @@
         </p:nvSpPr>
         <p:spPr>
           <a:xfrm>
-            <a:off x="361920" y="170022"/>
-            <a:ext cx="4701213" cy="3629204"/>
+            <a:off x="205110" y="170022"/>
+            <a:ext cx="2664297" cy="3629204"/>
           </a:xfrm>
         </p:spPr>
         <p:txBody>
@@ -638,7 +638,7 @@
           <a:p>
             <a:fld id="{8EB48514-7E8F-4B75-A2DA-68EE2B498DE6}" type="datetimeFigureOut">
               <a:rPr lang="en-GB" smtClean="0"/>
-              <a:t>14/07/2014</a:t>
+              <a:t>27/09/2014</a:t>
             </a:fld>
             <a:endParaRPr lang="en-GB"/>
           </a:p>
@@ -808,7 +808,7 @@
           <a:p>
             <a:fld id="{8EB48514-7E8F-4B75-A2DA-68EE2B498DE6}" type="datetimeFigureOut">
               <a:rPr lang="en-GB" smtClean="0"/>
-              <a:t>14/07/2014</a:t>
+              <a:t>27/09/2014</a:t>
             </a:fld>
             <a:endParaRPr lang="en-GB"/>
           </a:p>
@@ -898,8 +898,8 @@
         </p:nvSpPr>
         <p:spPr>
           <a:xfrm>
-            <a:off x="853231" y="3470434"/>
-            <a:ext cx="9181148" cy="1072634"/>
+            <a:off x="483548" y="3470434"/>
+            <a:ext cx="5203191" cy="1072634"/>
           </a:xfrm>
         </p:spPr>
         <p:txBody>
@@ -930,8 +930,8 @@
         </p:nvSpPr>
         <p:spPr>
           <a:xfrm>
-            <a:off x="853231" y="2289038"/>
-            <a:ext cx="9181148" cy="1181397"/>
+            <a:off x="483548" y="2289041"/>
+            <a:ext cx="5203191" cy="1181397"/>
           </a:xfrm>
         </p:spPr>
         <p:txBody>
@@ -1054,7 +1054,7 @@
           <a:p>
             <a:fld id="{8EB48514-7E8F-4B75-A2DA-68EE2B498DE6}" type="datetimeFigureOut">
               <a:rPr lang="en-GB" smtClean="0"/>
-              <a:t>14/07/2014</a:t>
+              <a:t>27/09/2014</a:t>
             </a:fld>
             <a:endParaRPr lang="en-GB"/>
           </a:p>
@@ -1167,8 +1167,8 @@
         </p:nvSpPr>
         <p:spPr>
           <a:xfrm>
-            <a:off x="361922" y="992625"/>
-            <a:ext cx="3163519" cy="2806601"/>
+            <a:off x="205112" y="992629"/>
+            <a:ext cx="1792848" cy="2806601"/>
           </a:xfrm>
         </p:spPr>
         <p:txBody>
@@ -1252,8 +1252,8 @@
         </p:nvSpPr>
         <p:spPr>
           <a:xfrm>
-            <a:off x="3705465" y="992625"/>
-            <a:ext cx="3163521" cy="2806601"/>
+            <a:off x="2099982" y="992629"/>
+            <a:ext cx="1792849" cy="2806601"/>
           </a:xfrm>
         </p:spPr>
         <p:txBody>
@@ -1342,7 +1342,7 @@
           <a:p>
             <a:fld id="{8EB48514-7E8F-4B75-A2DA-68EE2B498DE6}" type="datetimeFigureOut">
               <a:rPr lang="en-GB" smtClean="0"/>
-              <a:t>14/07/2014</a:t>
+              <a:t>27/09/2014</a:t>
             </a:fld>
             <a:endParaRPr lang="en-GB"/>
           </a:p>
@@ -1432,8 +1432,8 @@
         </p:nvSpPr>
         <p:spPr>
           <a:xfrm>
-            <a:off x="540068" y="216278"/>
-            <a:ext cx="9721215" cy="900113"/>
+            <a:off x="306071" y="216282"/>
+            <a:ext cx="5509261" cy="900113"/>
           </a:xfrm>
         </p:spPr>
         <p:txBody>
@@ -1464,8 +1464,8 @@
         </p:nvSpPr>
         <p:spPr>
           <a:xfrm>
-            <a:off x="540069" y="1208902"/>
-            <a:ext cx="4772471" cy="503813"/>
+            <a:off x="306071" y="1208906"/>
+            <a:ext cx="2704680" cy="503813"/>
           </a:xfrm>
         </p:spPr>
         <p:txBody>
@@ -1529,8 +1529,8 @@
         </p:nvSpPr>
         <p:spPr>
           <a:xfrm>
-            <a:off x="540069" y="1712714"/>
-            <a:ext cx="4772471" cy="3111639"/>
+            <a:off x="306071" y="1712714"/>
+            <a:ext cx="2704680" cy="3111639"/>
           </a:xfrm>
         </p:spPr>
         <p:txBody>
@@ -1614,8 +1614,8 @@
         </p:nvSpPr>
         <p:spPr>
           <a:xfrm>
-            <a:off x="5486935" y="1208902"/>
-            <a:ext cx="4774347" cy="503813"/>
+            <a:off x="3109586" y="1208906"/>
+            <a:ext cx="2705744" cy="503813"/>
           </a:xfrm>
         </p:spPr>
         <p:txBody>
@@ -1679,8 +1679,8 @@
         </p:nvSpPr>
         <p:spPr>
           <a:xfrm>
-            <a:off x="5486935" y="1712714"/>
-            <a:ext cx="4774347" cy="3111639"/>
+            <a:off x="3109586" y="1712714"/>
+            <a:ext cx="2705744" cy="3111639"/>
           </a:xfrm>
         </p:spPr>
         <p:txBody>
@@ -1769,7 +1769,7 @@
           <a:p>
             <a:fld id="{8EB48514-7E8F-4B75-A2DA-68EE2B498DE6}" type="datetimeFigureOut">
               <a:rPr lang="en-GB" smtClean="0"/>
-              <a:t>14/07/2014</a:t>
+              <a:t>27/09/2014</a:t>
             </a:fld>
             <a:endParaRPr lang="en-GB"/>
           </a:p>
@@ -1887,7 +1887,7 @@
           <a:p>
             <a:fld id="{8EB48514-7E8F-4B75-A2DA-68EE2B498DE6}" type="datetimeFigureOut">
               <a:rPr lang="en-GB" smtClean="0"/>
-              <a:t>14/07/2014</a:t>
+              <a:t>27/09/2014</a:t>
             </a:fld>
             <a:endParaRPr lang="en-GB"/>
           </a:p>
@@ -1982,7 +1982,7 @@
           <a:p>
             <a:fld id="{8EB48514-7E8F-4B75-A2DA-68EE2B498DE6}" type="datetimeFigureOut">
               <a:rPr lang="en-GB" smtClean="0"/>
-              <a:t>14/07/2014</a:t>
+              <a:t>27/09/2014</a:t>
             </a:fld>
             <a:endParaRPr lang="en-GB"/>
           </a:p>
@@ -2072,8 +2072,8 @@
         </p:nvSpPr>
         <p:spPr>
           <a:xfrm>
-            <a:off x="540069" y="215027"/>
-            <a:ext cx="3553569" cy="915114"/>
+            <a:off x="306071" y="215027"/>
+            <a:ext cx="2013898" cy="915114"/>
           </a:xfrm>
         </p:spPr>
         <p:txBody>
@@ -2104,8 +2104,8 @@
         </p:nvSpPr>
         <p:spPr>
           <a:xfrm>
-            <a:off x="4223028" y="215028"/>
-            <a:ext cx="6038255" cy="4609326"/>
+            <a:off x="2393299" y="215028"/>
+            <a:ext cx="3422032" cy="4609326"/>
           </a:xfrm>
         </p:spPr>
         <p:txBody>
@@ -2189,8 +2189,8 @@
         </p:nvSpPr>
         <p:spPr>
           <a:xfrm>
-            <a:off x="540069" y="1130142"/>
-            <a:ext cx="3553569" cy="3694212"/>
+            <a:off x="306071" y="1130142"/>
+            <a:ext cx="2013898" cy="3694212"/>
           </a:xfrm>
         </p:spPr>
         <p:txBody>
@@ -2259,7 +2259,7 @@
           <a:p>
             <a:fld id="{8EB48514-7E8F-4B75-A2DA-68EE2B498DE6}" type="datetimeFigureOut">
               <a:rPr lang="en-GB" smtClean="0"/>
-              <a:t>14/07/2014</a:t>
+              <a:t>27/09/2014</a:t>
             </a:fld>
             <a:endParaRPr lang="en-GB"/>
           </a:p>
@@ -2349,8 +2349,8 @@
         </p:nvSpPr>
         <p:spPr>
           <a:xfrm>
-            <a:off x="2117140" y="3780473"/>
-            <a:ext cx="6480810" cy="446306"/>
+            <a:off x="1199838" y="3780473"/>
+            <a:ext cx="3672840" cy="446306"/>
           </a:xfrm>
         </p:spPr>
         <p:txBody>
@@ -2381,8 +2381,8 @@
         </p:nvSpPr>
         <p:spPr>
           <a:xfrm>
-            <a:off x="2117140" y="482561"/>
-            <a:ext cx="6480810" cy="3240405"/>
+            <a:off x="1199838" y="482565"/>
+            <a:ext cx="3672840" cy="3240405"/>
           </a:xfrm>
         </p:spPr>
         <p:txBody>
@@ -2442,8 +2442,8 @@
         </p:nvSpPr>
         <p:spPr>
           <a:xfrm>
-            <a:off x="2117140" y="4226780"/>
-            <a:ext cx="6480810" cy="633829"/>
+            <a:off x="1199838" y="4226784"/>
+            <a:ext cx="3672840" cy="633829"/>
           </a:xfrm>
         </p:spPr>
         <p:txBody>
@@ -2512,7 +2512,7 @@
           <a:p>
             <a:fld id="{8EB48514-7E8F-4B75-A2DA-68EE2B498DE6}" type="datetimeFigureOut">
               <a:rPr lang="en-GB" smtClean="0"/>
-              <a:t>14/07/2014</a:t>
+              <a:t>27/09/2014</a:t>
             </a:fld>
             <a:endParaRPr lang="en-GB"/>
           </a:p>
@@ -2607,8 +2607,8 @@
         </p:nvSpPr>
         <p:spPr>
           <a:xfrm>
-            <a:off x="540068" y="216278"/>
-            <a:ext cx="9721215" cy="900113"/>
+            <a:off x="306071" y="216282"/>
+            <a:ext cx="5509261" cy="900113"/>
           </a:xfrm>
           <a:prstGeom prst="rect">
             <a:avLst/>
@@ -2640,8 +2640,8 @@
         </p:nvSpPr>
         <p:spPr>
           <a:xfrm>
-            <a:off x="540068" y="1260158"/>
-            <a:ext cx="9721215" cy="3564196"/>
+            <a:off x="306071" y="1260158"/>
+            <a:ext cx="5509261" cy="3564196"/>
           </a:xfrm>
           <a:prstGeom prst="rect">
             <a:avLst/>
@@ -2702,8 +2702,8 @@
         </p:nvSpPr>
         <p:spPr>
           <a:xfrm>
-            <a:off x="540068" y="5005626"/>
-            <a:ext cx="2520316" cy="287536"/>
+            <a:off x="306070" y="5005626"/>
+            <a:ext cx="1428328" cy="287536"/>
           </a:xfrm>
           <a:prstGeom prst="rect">
             <a:avLst/>
@@ -2725,7 +2725,7 @@
           <a:p>
             <a:fld id="{8EB48514-7E8F-4B75-A2DA-68EE2B498DE6}" type="datetimeFigureOut">
               <a:rPr lang="en-GB" smtClean="0"/>
-              <a:t>14/07/2014</a:t>
+              <a:t>27/09/2014</a:t>
             </a:fld>
             <a:endParaRPr lang="en-GB"/>
           </a:p>
@@ -2743,8 +2743,8 @@
         </p:nvSpPr>
         <p:spPr>
           <a:xfrm>
-            <a:off x="3690463" y="5005626"/>
-            <a:ext cx="3420427" cy="287536"/>
+            <a:off x="2091481" y="5005626"/>
+            <a:ext cx="1938443" cy="287536"/>
           </a:xfrm>
           <a:prstGeom prst="rect">
             <a:avLst/>
@@ -2780,8 +2780,8 @@
         </p:nvSpPr>
         <p:spPr>
           <a:xfrm>
-            <a:off x="7740968" y="5005626"/>
-            <a:ext cx="2520316" cy="287536"/>
+            <a:off x="4387005" y="5005626"/>
+            <a:ext cx="1428328" cy="287536"/>
           </a:xfrm>
           <a:prstGeom prst="rect">
             <a:avLst/>
@@ -3102,7 +3102,7 @@
       </p:grpSpPr>
       <p:grpSp>
         <p:nvGrpSpPr>
-          <p:cNvPr id="11" name="Group 10"/>
+          <p:cNvPr id="39" name="Group 38"/>
           <p:cNvGrpSpPr/>
           <p:nvPr/>
         </p:nvGrpSpPr>
@@ -3116,7 +3116,7 @@
         </p:grpSpPr>
         <p:pic>
           <p:nvPicPr>
-            <p:cNvPr id="12" name="Picture 3" descr="C:\Users\Wendy\Documents\wwn20\Thesis\Chapter3\Figures\Size.png"/>
+            <p:cNvPr id="40" name="Picture 3" descr="C:\Users\Wendy\Documents\wwn20\Thesis\Chapter3\Figures\Size.png"/>
             <p:cNvPicPr>
               <a:picLocks noChangeAspect="1" noChangeArrowheads="1"/>
             </p:cNvPicPr>
@@ -3155,7 +3155,7 @@
         </p:pic>
         <p:pic>
           <p:nvPicPr>
-            <p:cNvPr id="13" name="Picture 4" descr="C:\Users\Wendy\Documents\wwn20\Thesis\Chapter3\Figures\Size.png"/>
+            <p:cNvPr id="41" name="Picture 4" descr="C:\Users\Wendy\Documents\wwn20\Thesis\Chapter3\Figures\Size.png"/>
             <p:cNvPicPr>
               <a:picLocks noChangeAspect="1" noChangeArrowheads="1"/>
             </p:cNvPicPr>
@@ -3195,7 +3195,7 @@
       </p:grpSp>
       <p:sp>
         <p:nvSpPr>
-          <p:cNvPr id="15" name="Freeform 14"/>
+          <p:cNvPr id="42" name="Freeform 41"/>
           <p:cNvSpPr/>
           <p:nvPr/>
         </p:nvSpPr>
@@ -3378,7 +3378,7 @@
       </p:sp>
       <p:sp>
         <p:nvSpPr>
-          <p:cNvPr id="16" name="Freeform 15"/>
+          <p:cNvPr id="43" name="Freeform 42"/>
           <p:cNvSpPr/>
           <p:nvPr/>
         </p:nvSpPr>
@@ -3526,7 +3526,7 @@
       </p:sp>
       <p:sp>
         <p:nvSpPr>
-          <p:cNvPr id="17" name="TextBox 16"/>
+          <p:cNvPr id="44" name="TextBox 43"/>
           <p:cNvSpPr txBox="1"/>
           <p:nvPr/>
         </p:nvSpPr>
@@ -3556,7 +3556,7 @@
       </p:sp>
       <p:sp>
         <p:nvSpPr>
-          <p:cNvPr id="18" name="TextBox 17"/>
+          <p:cNvPr id="45" name="TextBox 44"/>
           <p:cNvSpPr txBox="1"/>
           <p:nvPr/>
         </p:nvSpPr>
@@ -3595,90 +3595,6 @@
                 </a:schemeClr>
               </a:solidFill>
             </a:endParaRPr>
-          </a:p>
-        </p:txBody>
-      </p:sp>
-      <p:sp>
-        <p:nvSpPr>
-          <p:cNvPr id="2" name="Rectangle 1"/>
-          <p:cNvSpPr/>
-          <p:nvPr/>
-        </p:nvSpPr>
-        <p:spPr>
-          <a:xfrm>
-            <a:off x="6624811" y="194924"/>
-            <a:ext cx="4104456" cy="4881677"/>
-          </a:xfrm>
-          <a:prstGeom prst="rect">
-            <a:avLst/>
-          </a:prstGeom>
-          <a:noFill/>
-          <a:ln>
-            <a:solidFill>
-              <a:schemeClr val="tx1"/>
-            </a:solidFill>
-          </a:ln>
-        </p:spPr>
-        <p:style>
-          <a:lnRef idx="2">
-            <a:schemeClr val="accent1">
-              <a:shade val="50000"/>
-            </a:schemeClr>
-          </a:lnRef>
-          <a:fillRef idx="1">
-            <a:schemeClr val="accent1"/>
-          </a:fillRef>
-          <a:effectRef idx="0">
-            <a:schemeClr val="accent1"/>
-          </a:effectRef>
-          <a:fontRef idx="minor">
-            <a:schemeClr val="lt1"/>
-          </a:fontRef>
-        </p:style>
-        <p:txBody>
-          <a:bodyPr rtlCol="0" anchor="ctr"/>
-          <a:lstStyle/>
-          <a:p>
-            <a:pPr algn="ctr"/>
-            <a:endParaRPr lang="en-GB"/>
-          </a:p>
-        </p:txBody>
-      </p:sp>
-      <p:sp>
-        <p:nvSpPr>
-          <p:cNvPr id="3" name="TextBox 2"/>
-          <p:cNvSpPr txBox="1"/>
-          <p:nvPr/>
-        </p:nvSpPr>
-        <p:spPr>
-          <a:xfrm>
-            <a:off x="7488907" y="652755"/>
-            <a:ext cx="2448272" cy="292388"/>
-          </a:xfrm>
-          <a:prstGeom prst="rect">
-            <a:avLst/>
-          </a:prstGeom>
-          <a:noFill/>
-        </p:spPr>
-        <p:txBody>
-          <a:bodyPr wrap="square" rtlCol="0">
-            <a:spAutoFit/>
-          </a:bodyPr>
-          <a:lstStyle/>
-          <a:p>
-            <a:r>
-              <a:rPr lang="en-GB" dirty="0" smtClean="0"/>
-              <a:t>Dipole + </a:t>
-            </a:r>
-            <a:r>
-              <a:rPr lang="en-GB" dirty="0" err="1" smtClean="0"/>
-              <a:t>quadrupole</a:t>
-            </a:r>
-            <a:r>
-              <a:rPr lang="en-GB" dirty="0" smtClean="0"/>
-              <a:t> fields</a:t>
-            </a:r>
-            <a:endParaRPr lang="en-GB" dirty="0"/>
           </a:p>
         </p:txBody>
       </p:sp>
